--- a/Drug Dist Channel.pptx
+++ b/Drug Dist Channel.pptx
@@ -116,13 +116,133 @@
 <file path=ppt/revisionInfo.xml><?xml version="1.0" encoding="utf-8"?>
 <p1510:revInfo xmlns:a="http://schemas.openxmlformats.org/drawingml/2006/main" xmlns:r="http://schemas.openxmlformats.org/officeDocument/2006/relationships" xmlns:p1510="http://schemas.microsoft.com/office/powerpoint/2015/10/main">
   <p1510:revLst>
-    <p1510:client id="{E03B4BEB-2C71-4484-AF7B-7C3FD356C82B}" v="14" dt="2020-11-24T19:01:15.336"/>
+    <p1510:client id="{A17EB48D-5F05-47B3-BEAA-4A2D28CE821D}" v="1" dt="2020-12-16T21:52:44.378"/>
   </p1510:revLst>
 </p1510:revInfo>
 </file>
 
 <file path=ppt/changesInfos/changesInfo1.xml><?xml version="1.0" encoding="utf-8"?>
 <pc:chgInfo xmlns:a="http://schemas.openxmlformats.org/drawingml/2006/main" xmlns:r="http://schemas.openxmlformats.org/officeDocument/2006/relationships" xmlns:ac="http://schemas.microsoft.com/office/drawing/2013/main/command" xmlns:pc="http://schemas.microsoft.com/office/powerpoint/2013/main/command">
+  <pc:docChgLst>
+    <pc:chgData name="GREG BOLAN" userId="abfd906e8980bd45" providerId="LiveId" clId="{A17EB48D-5F05-47B3-BEAA-4A2D28CE821D}"/>
+    <pc:docChg chg="modSld">
+      <pc:chgData name="GREG BOLAN" userId="abfd906e8980bd45" providerId="LiveId" clId="{A17EB48D-5F05-47B3-BEAA-4A2D28CE821D}" dt="2020-12-16T21:52:44.375" v="0" actId="164"/>
+      <pc:docMkLst>
+        <pc:docMk/>
+      </pc:docMkLst>
+      <pc:sldChg chg="addSp modSp">
+        <pc:chgData name="GREG BOLAN" userId="abfd906e8980bd45" providerId="LiveId" clId="{A17EB48D-5F05-47B3-BEAA-4A2D28CE821D}" dt="2020-12-16T21:52:44.375" v="0" actId="164"/>
+        <pc:sldMkLst>
+          <pc:docMk/>
+          <pc:sldMk cId="204562112" sldId="256"/>
+        </pc:sldMkLst>
+        <pc:spChg chg="mod">
+          <ac:chgData name="GREG BOLAN" userId="abfd906e8980bd45" providerId="LiveId" clId="{A17EB48D-5F05-47B3-BEAA-4A2D28CE821D}" dt="2020-12-16T21:52:44.375" v="0" actId="164"/>
+          <ac:spMkLst>
+            <pc:docMk/>
+            <pc:sldMk cId="204562112" sldId="256"/>
+            <ac:spMk id="4" creationId="{7FF7DDF8-C1D2-4B79-9ED6-C2453805FB39}"/>
+          </ac:spMkLst>
+        </pc:spChg>
+        <pc:spChg chg="mod">
+          <ac:chgData name="GREG BOLAN" userId="abfd906e8980bd45" providerId="LiveId" clId="{A17EB48D-5F05-47B3-BEAA-4A2D28CE821D}" dt="2020-12-16T21:52:44.375" v="0" actId="164"/>
+          <ac:spMkLst>
+            <pc:docMk/>
+            <pc:sldMk cId="204562112" sldId="256"/>
+            <ac:spMk id="5" creationId="{CC671936-B4D3-4076-85AA-6589AC318879}"/>
+          </ac:spMkLst>
+        </pc:spChg>
+        <pc:spChg chg="mod">
+          <ac:chgData name="GREG BOLAN" userId="abfd906e8980bd45" providerId="LiveId" clId="{A17EB48D-5F05-47B3-BEAA-4A2D28CE821D}" dt="2020-12-16T21:52:44.375" v="0" actId="164"/>
+          <ac:spMkLst>
+            <pc:docMk/>
+            <pc:sldMk cId="204562112" sldId="256"/>
+            <ac:spMk id="7" creationId="{EE1D66EC-8080-4F6D-8F7F-1B44DF80E328}"/>
+          </ac:spMkLst>
+        </pc:spChg>
+        <pc:spChg chg="mod">
+          <ac:chgData name="GREG BOLAN" userId="abfd906e8980bd45" providerId="LiveId" clId="{A17EB48D-5F05-47B3-BEAA-4A2D28CE821D}" dt="2020-12-16T21:52:44.375" v="0" actId="164"/>
+          <ac:spMkLst>
+            <pc:docMk/>
+            <pc:sldMk cId="204562112" sldId="256"/>
+            <ac:spMk id="28" creationId="{62A997C8-A334-4D11-8099-39C39613FBC5}"/>
+          </ac:spMkLst>
+        </pc:spChg>
+        <pc:spChg chg="mod">
+          <ac:chgData name="GREG BOLAN" userId="abfd906e8980bd45" providerId="LiveId" clId="{A17EB48D-5F05-47B3-BEAA-4A2D28CE821D}" dt="2020-12-16T21:52:44.375" v="0" actId="164"/>
+          <ac:spMkLst>
+            <pc:docMk/>
+            <pc:sldMk cId="204562112" sldId="256"/>
+            <ac:spMk id="29" creationId="{DEF67C18-0CFD-40A7-B440-35DB0421BE30}"/>
+          </ac:spMkLst>
+        </pc:spChg>
+        <pc:spChg chg="mod">
+          <ac:chgData name="GREG BOLAN" userId="abfd906e8980bd45" providerId="LiveId" clId="{A17EB48D-5F05-47B3-BEAA-4A2D28CE821D}" dt="2020-12-16T21:52:44.375" v="0" actId="164"/>
+          <ac:spMkLst>
+            <pc:docMk/>
+            <pc:sldMk cId="204562112" sldId="256"/>
+            <ac:spMk id="47" creationId="{15D13135-6739-41BA-9B77-80F051D0E492}"/>
+          </ac:spMkLst>
+        </pc:spChg>
+        <pc:grpChg chg="add mod">
+          <ac:chgData name="GREG BOLAN" userId="abfd906e8980bd45" providerId="LiveId" clId="{A17EB48D-5F05-47B3-BEAA-4A2D28CE821D}" dt="2020-12-16T21:52:44.375" v="0" actId="164"/>
+          <ac:grpSpMkLst>
+            <pc:docMk/>
+            <pc:sldMk cId="204562112" sldId="256"/>
+            <ac:grpSpMk id="2" creationId="{842076E6-16BA-4A5F-B0C9-DA5A2518F0D2}"/>
+          </ac:grpSpMkLst>
+        </pc:grpChg>
+        <pc:cxnChg chg="mod">
+          <ac:chgData name="GREG BOLAN" userId="abfd906e8980bd45" providerId="LiveId" clId="{A17EB48D-5F05-47B3-BEAA-4A2D28CE821D}" dt="2020-12-16T21:52:44.375" v="0" actId="164"/>
+          <ac:cxnSpMkLst>
+            <pc:docMk/>
+            <pc:sldMk cId="204562112" sldId="256"/>
+            <ac:cxnSpMk id="9" creationId="{5A73A769-9082-4802-9931-133A8BC6A56F}"/>
+          </ac:cxnSpMkLst>
+        </pc:cxnChg>
+        <pc:cxnChg chg="mod">
+          <ac:chgData name="GREG BOLAN" userId="abfd906e8980bd45" providerId="LiveId" clId="{A17EB48D-5F05-47B3-BEAA-4A2D28CE821D}" dt="2020-12-16T21:52:44.375" v="0" actId="164"/>
+          <ac:cxnSpMkLst>
+            <pc:docMk/>
+            <pc:sldMk cId="204562112" sldId="256"/>
+            <ac:cxnSpMk id="11" creationId="{DB5EE0EF-C7EB-4D55-B10F-F7171383416D}"/>
+          </ac:cxnSpMkLst>
+        </pc:cxnChg>
+        <pc:cxnChg chg="mod">
+          <ac:chgData name="GREG BOLAN" userId="abfd906e8980bd45" providerId="LiveId" clId="{A17EB48D-5F05-47B3-BEAA-4A2D28CE821D}" dt="2020-12-16T21:52:44.375" v="0" actId="164"/>
+          <ac:cxnSpMkLst>
+            <pc:docMk/>
+            <pc:sldMk cId="204562112" sldId="256"/>
+            <ac:cxnSpMk id="14" creationId="{7194AC15-4682-420B-A657-3E17FFFE114C}"/>
+          </ac:cxnSpMkLst>
+        </pc:cxnChg>
+        <pc:cxnChg chg="mod">
+          <ac:chgData name="GREG BOLAN" userId="abfd906e8980bd45" providerId="LiveId" clId="{A17EB48D-5F05-47B3-BEAA-4A2D28CE821D}" dt="2020-12-16T21:52:44.375" v="0" actId="164"/>
+          <ac:cxnSpMkLst>
+            <pc:docMk/>
+            <pc:sldMk cId="204562112" sldId="256"/>
+            <ac:cxnSpMk id="17" creationId="{E5C097C7-DEDE-4CD7-8317-45F3803F09A9}"/>
+          </ac:cxnSpMkLst>
+        </pc:cxnChg>
+        <pc:cxnChg chg="mod">
+          <ac:chgData name="GREG BOLAN" userId="abfd906e8980bd45" providerId="LiveId" clId="{A17EB48D-5F05-47B3-BEAA-4A2D28CE821D}" dt="2020-12-16T21:52:44.375" v="0" actId="164"/>
+          <ac:cxnSpMkLst>
+            <pc:docMk/>
+            <pc:sldMk cId="204562112" sldId="256"/>
+            <ac:cxnSpMk id="19" creationId="{D920B7BC-7ADB-4FA6-B39D-91F6E29931D6}"/>
+          </ac:cxnSpMkLst>
+        </pc:cxnChg>
+        <pc:cxnChg chg="mod">
+          <ac:chgData name="GREG BOLAN" userId="abfd906e8980bd45" providerId="LiveId" clId="{A17EB48D-5F05-47B3-BEAA-4A2D28CE821D}" dt="2020-12-16T21:52:44.375" v="0" actId="164"/>
+          <ac:cxnSpMkLst>
+            <pc:docMk/>
+            <pc:sldMk cId="204562112" sldId="256"/>
+            <ac:cxnSpMk id="21" creationId="{D28DFA45-61F3-4D52-961F-6C7CCB1CE9A2}"/>
+          </ac:cxnSpMkLst>
+        </pc:cxnChg>
+      </pc:sldChg>
+    </pc:docChg>
+  </pc:docChgLst>
   <pc:docChgLst>
     <pc:chgData name="GREG BOLAN" userId="abfd906e8980bd45" providerId="LiveId" clId="{E03B4BEB-2C71-4484-AF7B-7C3FD356C82B}"/>
     <pc:docChg chg="undo custSel addSld modSld">
@@ -640,7 +760,7 @@
           <a:p>
             <a:fld id="{60308CA0-80D0-4979-8A54-7D8E627D1CF4}" type="datetimeFigureOut">
               <a:rPr lang="en-US" smtClean="0"/>
-              <a:t>11/24/2020</a:t>
+              <a:t>12/16/2020</a:t>
             </a:fld>
             <a:endParaRPr lang="en-US"/>
           </a:p>
@@ -838,7 +958,7 @@
           <a:p>
             <a:fld id="{60308CA0-80D0-4979-8A54-7D8E627D1CF4}" type="datetimeFigureOut">
               <a:rPr lang="en-US" smtClean="0"/>
-              <a:t>11/24/2020</a:t>
+              <a:t>12/16/2020</a:t>
             </a:fld>
             <a:endParaRPr lang="en-US"/>
           </a:p>
@@ -1046,7 +1166,7 @@
           <a:p>
             <a:fld id="{60308CA0-80D0-4979-8A54-7D8E627D1CF4}" type="datetimeFigureOut">
               <a:rPr lang="en-US" smtClean="0"/>
-              <a:t>11/24/2020</a:t>
+              <a:t>12/16/2020</a:t>
             </a:fld>
             <a:endParaRPr lang="en-US"/>
           </a:p>
@@ -1244,7 +1364,7 @@
           <a:p>
             <a:fld id="{60308CA0-80D0-4979-8A54-7D8E627D1CF4}" type="datetimeFigureOut">
               <a:rPr lang="en-US" smtClean="0"/>
-              <a:t>11/24/2020</a:t>
+              <a:t>12/16/2020</a:t>
             </a:fld>
             <a:endParaRPr lang="en-US"/>
           </a:p>
@@ -1519,7 +1639,7 @@
           <a:p>
             <a:fld id="{60308CA0-80D0-4979-8A54-7D8E627D1CF4}" type="datetimeFigureOut">
               <a:rPr lang="en-US" smtClean="0"/>
-              <a:t>11/24/2020</a:t>
+              <a:t>12/16/2020</a:t>
             </a:fld>
             <a:endParaRPr lang="en-US"/>
           </a:p>
@@ -1784,7 +1904,7 @@
           <a:p>
             <a:fld id="{60308CA0-80D0-4979-8A54-7D8E627D1CF4}" type="datetimeFigureOut">
               <a:rPr lang="en-US" smtClean="0"/>
-              <a:t>11/24/2020</a:t>
+              <a:t>12/16/2020</a:t>
             </a:fld>
             <a:endParaRPr lang="en-US"/>
           </a:p>
@@ -2196,7 +2316,7 @@
           <a:p>
             <a:fld id="{60308CA0-80D0-4979-8A54-7D8E627D1CF4}" type="datetimeFigureOut">
               <a:rPr lang="en-US" smtClean="0"/>
-              <a:t>11/24/2020</a:t>
+              <a:t>12/16/2020</a:t>
             </a:fld>
             <a:endParaRPr lang="en-US"/>
           </a:p>
@@ -2337,7 +2457,7 @@
           <a:p>
             <a:fld id="{60308CA0-80D0-4979-8A54-7D8E627D1CF4}" type="datetimeFigureOut">
               <a:rPr lang="en-US" smtClean="0"/>
-              <a:t>11/24/2020</a:t>
+              <a:t>12/16/2020</a:t>
             </a:fld>
             <a:endParaRPr lang="en-US"/>
           </a:p>
@@ -2450,7 +2570,7 @@
           <a:p>
             <a:fld id="{60308CA0-80D0-4979-8A54-7D8E627D1CF4}" type="datetimeFigureOut">
               <a:rPr lang="en-US" smtClean="0"/>
-              <a:t>11/24/2020</a:t>
+              <a:t>12/16/2020</a:t>
             </a:fld>
             <a:endParaRPr lang="en-US"/>
           </a:p>
@@ -2761,7 +2881,7 @@
           <a:p>
             <a:fld id="{60308CA0-80D0-4979-8A54-7D8E627D1CF4}" type="datetimeFigureOut">
               <a:rPr lang="en-US" smtClean="0"/>
-              <a:t>11/24/2020</a:t>
+              <a:t>12/16/2020</a:t>
             </a:fld>
             <a:endParaRPr lang="en-US"/>
           </a:p>
@@ -3049,7 +3169,7 @@
           <a:p>
             <a:fld id="{60308CA0-80D0-4979-8A54-7D8E627D1CF4}" type="datetimeFigureOut">
               <a:rPr lang="en-US" smtClean="0"/>
-              <a:t>11/24/2020</a:t>
+              <a:t>12/16/2020</a:t>
             </a:fld>
             <a:endParaRPr lang="en-US"/>
           </a:p>
@@ -3290,7 +3410,7 @@
           <a:p>
             <a:fld id="{60308CA0-80D0-4979-8A54-7D8E627D1CF4}" type="datetimeFigureOut">
               <a:rPr lang="en-US" smtClean="0"/>
-              <a:t>11/24/2020</a:t>
+              <a:t>12/16/2020</a:t>
             </a:fld>
             <a:endParaRPr lang="en-US"/>
           </a:p>
@@ -3707,55 +3827,6 @@
           <a:chExt cx="0" cy="0"/>
         </a:xfrm>
       </p:grpSpPr>
-      <p:sp>
-        <p:nvSpPr>
-          <p:cNvPr id="4" name="Oval 3">
-            <a:extLst>
-              <a:ext uri="{FF2B5EF4-FFF2-40B4-BE49-F238E27FC236}">
-                <a16:creationId xmlns:a16="http://schemas.microsoft.com/office/drawing/2014/main" id="{7FF7DDF8-C1D2-4B79-9ED6-C2453805FB39}"/>
-              </a:ext>
-            </a:extLst>
-          </p:cNvPr>
-          <p:cNvSpPr/>
-          <p:nvPr/>
-        </p:nvSpPr>
-        <p:spPr>
-          <a:xfrm>
-            <a:off x="4686623" y="1063285"/>
-            <a:ext cx="2818753" cy="1173887"/>
-          </a:xfrm>
-          <a:prstGeom prst="ellipse">
-            <a:avLst/>
-          </a:prstGeom>
-        </p:spPr>
-        <p:style>
-          <a:lnRef idx="2">
-            <a:schemeClr val="accent1">
-              <a:shade val="50000"/>
-            </a:schemeClr>
-          </a:lnRef>
-          <a:fillRef idx="1">
-            <a:schemeClr val="accent1"/>
-          </a:fillRef>
-          <a:effectRef idx="0">
-            <a:schemeClr val="accent1"/>
-          </a:effectRef>
-          <a:fontRef idx="minor">
-            <a:schemeClr val="lt1"/>
-          </a:fontRef>
-        </p:style>
-        <p:txBody>
-          <a:bodyPr rtlCol="0" anchor="ctr"/>
-          <a:lstStyle/>
-          <a:p>
-            <a:pPr algn="ctr"/>
-            <a:r>
-              <a:rPr lang="en-US" dirty="0"/>
-              <a:t>Pharmaceutical Manufacturer</a:t>
-            </a:r>
-          </a:p>
-        </p:txBody>
-      </p:sp>
       <p:cxnSp>
         <p:nvCxnSpPr>
           <p:cNvPr id="3" name="Straight Arrow Connector 2">
@@ -3797,487 +3868,557 @@
           </a:fontRef>
         </p:style>
       </p:cxnSp>
-      <p:sp>
-        <p:nvSpPr>
-          <p:cNvPr id="5" name="Oval 4">
-            <a:extLst>
-              <a:ext uri="{FF2B5EF4-FFF2-40B4-BE49-F238E27FC236}">
-                <a16:creationId xmlns:a16="http://schemas.microsoft.com/office/drawing/2014/main" id="{CC671936-B4D3-4076-85AA-6589AC318879}"/>
-              </a:ext>
-            </a:extLst>
-          </p:cNvPr>
-          <p:cNvSpPr/>
+      <p:grpSp>
+        <p:nvGrpSpPr>
+          <p:cNvPr id="2" name="Group 1">
+            <a:extLst>
+              <a:ext uri="{FF2B5EF4-FFF2-40B4-BE49-F238E27FC236}">
+                <a16:creationId xmlns:a16="http://schemas.microsoft.com/office/drawing/2014/main" id="{842076E6-16BA-4A5F-B0C9-DA5A2518F0D2}"/>
+              </a:ext>
+            </a:extLst>
+          </p:cNvPr>
+          <p:cNvGrpSpPr/>
           <p:nvPr/>
-        </p:nvSpPr>
-        <p:spPr>
+        </p:nvGrpSpPr>
+        <p:grpSpPr>
           <a:xfrm>
-            <a:off x="4790589" y="2734322"/>
-            <a:ext cx="2610822" cy="1065321"/>
+            <a:off x="2719919" y="1063285"/>
+            <a:ext cx="6752159" cy="5316982"/>
+            <a:chOff x="2719919" y="1063285"/>
+            <a:chExt cx="6752159" cy="5316982"/>
           </a:xfrm>
-          <a:prstGeom prst="ellipse">
-            <a:avLst/>
-          </a:prstGeom>
-        </p:spPr>
-        <p:style>
-          <a:lnRef idx="2">
-            <a:schemeClr val="accent1">
-              <a:shade val="50000"/>
-            </a:schemeClr>
-          </a:lnRef>
-          <a:fillRef idx="1">
-            <a:schemeClr val="accent1"/>
-          </a:fillRef>
-          <a:effectRef idx="0">
-            <a:schemeClr val="accent1"/>
-          </a:effectRef>
-          <a:fontRef idx="minor">
-            <a:schemeClr val="lt1"/>
-          </a:fontRef>
-        </p:style>
-        <p:txBody>
-          <a:bodyPr rtlCol="0" anchor="ctr"/>
-          <a:lstStyle/>
-          <a:p>
-            <a:pPr algn="ctr"/>
-            <a:r>
-              <a:rPr lang="en-US" dirty="0"/>
-              <a:t>Drug Wholesaler</a:t>
-            </a:r>
-          </a:p>
-        </p:txBody>
-      </p:sp>
-      <p:sp>
-        <p:nvSpPr>
-          <p:cNvPr id="7" name="Oval 6">
-            <a:extLst>
-              <a:ext uri="{FF2B5EF4-FFF2-40B4-BE49-F238E27FC236}">
-                <a16:creationId xmlns:a16="http://schemas.microsoft.com/office/drawing/2014/main" id="{EE1D66EC-8080-4F6D-8F7F-1B44DF80E328}"/>
-              </a:ext>
-            </a:extLst>
-          </p:cNvPr>
-          <p:cNvSpPr/>
-          <p:nvPr/>
-        </p:nvSpPr>
-        <p:spPr>
-          <a:xfrm>
-            <a:off x="6493322" y="4060145"/>
-            <a:ext cx="2943641" cy="938999"/>
-          </a:xfrm>
-          <a:prstGeom prst="ellipse">
-            <a:avLst/>
-          </a:prstGeom>
-        </p:spPr>
-        <p:style>
-          <a:lnRef idx="2">
-            <a:schemeClr val="accent1">
-              <a:shade val="50000"/>
-            </a:schemeClr>
-          </a:lnRef>
-          <a:fillRef idx="1">
-            <a:schemeClr val="accent1"/>
-          </a:fillRef>
-          <a:effectRef idx="0">
-            <a:schemeClr val="accent1"/>
-          </a:effectRef>
-          <a:fontRef idx="minor">
-            <a:schemeClr val="lt1"/>
-          </a:fontRef>
-        </p:style>
-        <p:txBody>
-          <a:bodyPr rtlCol="0" anchor="ctr"/>
-          <a:lstStyle/>
-          <a:p>
-            <a:pPr algn="ctr"/>
-            <a:r>
-              <a:rPr lang="en-US" dirty="0"/>
-              <a:t>Non-retail Pharmacies</a:t>
-            </a:r>
-          </a:p>
-        </p:txBody>
-      </p:sp>
-      <p:cxnSp>
-        <p:nvCxnSpPr>
-          <p:cNvPr id="9" name="Straight Connector 8">
-            <a:extLst>
-              <a:ext uri="{FF2B5EF4-FFF2-40B4-BE49-F238E27FC236}">
-                <a16:creationId xmlns:a16="http://schemas.microsoft.com/office/drawing/2014/main" id="{5A73A769-9082-4802-9931-133A8BC6A56F}"/>
-              </a:ext>
-            </a:extLst>
-          </p:cNvPr>
-          <p:cNvCxnSpPr>
-            <a:stCxn id="4" idx="2"/>
-          </p:cNvCxnSpPr>
-          <p:nvPr/>
-        </p:nvCxnSpPr>
-        <p:spPr>
-          <a:xfrm flipH="1" flipV="1">
-            <a:off x="3968318" y="1650228"/>
-            <a:ext cx="718305" cy="1"/>
-          </a:xfrm>
-          <a:prstGeom prst="line">
-            <a:avLst/>
-          </a:prstGeom>
-        </p:spPr>
-        <p:style>
-          <a:lnRef idx="1">
-            <a:schemeClr val="accent1"/>
-          </a:lnRef>
-          <a:fillRef idx="0">
-            <a:schemeClr val="accent1"/>
-          </a:fillRef>
-          <a:effectRef idx="0">
-            <a:schemeClr val="accent1"/>
-          </a:effectRef>
-          <a:fontRef idx="minor">
-            <a:schemeClr val="tx1"/>
-          </a:fontRef>
-        </p:style>
-      </p:cxnSp>
-      <p:cxnSp>
-        <p:nvCxnSpPr>
-          <p:cNvPr id="11" name="Straight Arrow Connector 10">
-            <a:extLst>
-              <a:ext uri="{FF2B5EF4-FFF2-40B4-BE49-F238E27FC236}">
-                <a16:creationId xmlns:a16="http://schemas.microsoft.com/office/drawing/2014/main" id="{DB5EE0EF-C7EB-4D55-B10F-F7171383416D}"/>
-              </a:ext>
-            </a:extLst>
-          </p:cNvPr>
-          <p:cNvCxnSpPr>
-            <a:cxnSpLocks/>
-          </p:cNvCxnSpPr>
-          <p:nvPr/>
-        </p:nvCxnSpPr>
-        <p:spPr>
-          <a:xfrm>
-            <a:off x="3977196" y="1650228"/>
-            <a:ext cx="0" cy="2409917"/>
-          </a:xfrm>
-          <a:prstGeom prst="straightConnector1">
-            <a:avLst/>
-          </a:prstGeom>
-          <a:ln>
-            <a:tailEnd type="triangle"/>
-          </a:ln>
-        </p:spPr>
-        <p:style>
-          <a:lnRef idx="1">
-            <a:schemeClr val="accent1"/>
-          </a:lnRef>
-          <a:fillRef idx="0">
-            <a:schemeClr val="accent1"/>
-          </a:fillRef>
-          <a:effectRef idx="0">
-            <a:schemeClr val="accent1"/>
-          </a:effectRef>
-          <a:fontRef idx="minor">
-            <a:schemeClr val="tx1"/>
-          </a:fontRef>
-        </p:style>
-      </p:cxnSp>
-      <p:cxnSp>
-        <p:nvCxnSpPr>
-          <p:cNvPr id="14" name="Straight Connector 13">
-            <a:extLst>
-              <a:ext uri="{FF2B5EF4-FFF2-40B4-BE49-F238E27FC236}">
-                <a16:creationId xmlns:a16="http://schemas.microsoft.com/office/drawing/2014/main" id="{7194AC15-4682-420B-A657-3E17FFFE114C}"/>
-              </a:ext>
-            </a:extLst>
-          </p:cNvPr>
-          <p:cNvCxnSpPr>
-            <a:cxnSpLocks/>
-            <a:stCxn id="5" idx="2"/>
-          </p:cNvCxnSpPr>
-          <p:nvPr/>
-        </p:nvCxnSpPr>
-        <p:spPr>
-          <a:xfrm flipH="1">
-            <a:off x="4327470" y="3266983"/>
-            <a:ext cx="463119" cy="0"/>
-          </a:xfrm>
-          <a:prstGeom prst="line">
-            <a:avLst/>
-          </a:prstGeom>
-        </p:spPr>
-        <p:style>
-          <a:lnRef idx="1">
-            <a:schemeClr val="accent1"/>
-          </a:lnRef>
-          <a:fillRef idx="0">
-            <a:schemeClr val="accent1"/>
-          </a:fillRef>
-          <a:effectRef idx="0">
-            <a:schemeClr val="accent1"/>
-          </a:effectRef>
-          <a:fontRef idx="minor">
-            <a:schemeClr val="tx1"/>
-          </a:fontRef>
-        </p:style>
-      </p:cxnSp>
-      <p:cxnSp>
-        <p:nvCxnSpPr>
-          <p:cNvPr id="17" name="Straight Arrow Connector 16">
-            <a:extLst>
-              <a:ext uri="{FF2B5EF4-FFF2-40B4-BE49-F238E27FC236}">
-                <a16:creationId xmlns:a16="http://schemas.microsoft.com/office/drawing/2014/main" id="{E5C097C7-DEDE-4CD7-8317-45F3803F09A9}"/>
-              </a:ext>
-            </a:extLst>
-          </p:cNvPr>
-          <p:cNvCxnSpPr/>
-          <p:nvPr/>
-        </p:nvCxnSpPr>
-        <p:spPr>
-          <a:xfrm>
-            <a:off x="4327470" y="3266982"/>
-            <a:ext cx="0" cy="793163"/>
-          </a:xfrm>
-          <a:prstGeom prst="straightConnector1">
-            <a:avLst/>
-          </a:prstGeom>
-          <a:ln>
-            <a:tailEnd type="triangle"/>
-          </a:ln>
-        </p:spPr>
-        <p:style>
-          <a:lnRef idx="1">
-            <a:schemeClr val="accent1"/>
-          </a:lnRef>
-          <a:fillRef idx="0">
-            <a:schemeClr val="accent1"/>
-          </a:fillRef>
-          <a:effectRef idx="0">
-            <a:schemeClr val="accent1"/>
-          </a:effectRef>
-          <a:fontRef idx="minor">
-            <a:schemeClr val="tx1"/>
-          </a:fontRef>
-        </p:style>
-      </p:cxnSp>
-      <p:cxnSp>
-        <p:nvCxnSpPr>
-          <p:cNvPr id="19" name="Straight Connector 18">
-            <a:extLst>
-              <a:ext uri="{FF2B5EF4-FFF2-40B4-BE49-F238E27FC236}">
-                <a16:creationId xmlns:a16="http://schemas.microsoft.com/office/drawing/2014/main" id="{D920B7BC-7ADB-4FA6-B39D-91F6E29931D6}"/>
-              </a:ext>
-            </a:extLst>
-          </p:cNvPr>
-          <p:cNvCxnSpPr>
-            <a:cxnSpLocks/>
-            <a:stCxn id="5" idx="6"/>
-          </p:cNvCxnSpPr>
-          <p:nvPr/>
-        </p:nvCxnSpPr>
-        <p:spPr>
-          <a:xfrm flipV="1">
-            <a:off x="7401411" y="3266982"/>
-            <a:ext cx="563731" cy="1"/>
-          </a:xfrm>
-          <a:prstGeom prst="line">
-            <a:avLst/>
-          </a:prstGeom>
-        </p:spPr>
-        <p:style>
-          <a:lnRef idx="1">
-            <a:schemeClr val="accent1"/>
-          </a:lnRef>
-          <a:fillRef idx="0">
-            <a:schemeClr val="accent1"/>
-          </a:fillRef>
-          <a:effectRef idx="0">
-            <a:schemeClr val="accent1"/>
-          </a:effectRef>
-          <a:fontRef idx="minor">
-            <a:schemeClr val="tx1"/>
-          </a:fontRef>
-        </p:style>
-      </p:cxnSp>
-      <p:cxnSp>
-        <p:nvCxnSpPr>
-          <p:cNvPr id="21" name="Straight Arrow Connector 20">
-            <a:extLst>
-              <a:ext uri="{FF2B5EF4-FFF2-40B4-BE49-F238E27FC236}">
-                <a16:creationId xmlns:a16="http://schemas.microsoft.com/office/drawing/2014/main" id="{D28DFA45-61F3-4D52-961F-6C7CCB1CE9A2}"/>
-              </a:ext>
-            </a:extLst>
-          </p:cNvPr>
-          <p:cNvCxnSpPr>
-            <a:cxnSpLocks/>
-            <a:endCxn id="7" idx="0"/>
-          </p:cNvCxnSpPr>
-          <p:nvPr/>
-        </p:nvCxnSpPr>
-        <p:spPr>
-          <a:xfrm>
-            <a:off x="7965142" y="3266982"/>
-            <a:ext cx="1" cy="793163"/>
-          </a:xfrm>
-          <a:prstGeom prst="straightConnector1">
-            <a:avLst/>
-          </a:prstGeom>
-          <a:ln>
-            <a:tailEnd type="triangle"/>
-          </a:ln>
-        </p:spPr>
-        <p:style>
-          <a:lnRef idx="1">
-            <a:schemeClr val="accent1"/>
-          </a:lnRef>
-          <a:fillRef idx="0">
-            <a:schemeClr val="accent1"/>
-          </a:fillRef>
-          <a:effectRef idx="0">
-            <a:schemeClr val="accent1"/>
-          </a:effectRef>
-          <a:fontRef idx="minor">
-            <a:schemeClr val="tx1"/>
-          </a:fontRef>
-        </p:style>
-      </p:cxnSp>
-      <p:sp>
-        <p:nvSpPr>
-          <p:cNvPr id="28" name="Right Brace 27">
-            <a:extLst>
-              <a:ext uri="{FF2B5EF4-FFF2-40B4-BE49-F238E27FC236}">
-                <a16:creationId xmlns:a16="http://schemas.microsoft.com/office/drawing/2014/main" id="{62A997C8-A334-4D11-8099-39C39613FBC5}"/>
-              </a:ext>
-            </a:extLst>
-          </p:cNvPr>
-          <p:cNvSpPr/>
-          <p:nvPr/>
-        </p:nvSpPr>
-        <p:spPr>
-          <a:xfrm rot="5400000">
-            <a:off x="5637621" y="1666230"/>
-            <a:ext cx="916755" cy="6752159"/>
-          </a:xfrm>
-          <a:prstGeom prst="rightBrace">
-            <a:avLst>
-              <a:gd name="adj1" fmla="val 8333"/>
-              <a:gd name="adj2" fmla="val 49184"/>
-            </a:avLst>
-          </a:prstGeom>
-        </p:spPr>
-        <p:style>
-          <a:lnRef idx="1">
-            <a:schemeClr val="accent1"/>
-          </a:lnRef>
-          <a:fillRef idx="0">
-            <a:schemeClr val="accent1"/>
-          </a:fillRef>
-          <a:effectRef idx="0">
-            <a:schemeClr val="accent1"/>
-          </a:effectRef>
-          <a:fontRef idx="minor">
-            <a:schemeClr val="tx1"/>
-          </a:fontRef>
-        </p:style>
-        <p:txBody>
-          <a:bodyPr rtlCol="0" anchor="ctr"/>
-          <a:lstStyle/>
-          <a:p>
-            <a:pPr algn="ctr"/>
-            <a:endParaRPr lang="en-US"/>
-          </a:p>
-        </p:txBody>
-      </p:sp>
-      <p:sp>
-        <p:nvSpPr>
-          <p:cNvPr id="29" name="Oval 28">
-            <a:extLst>
-              <a:ext uri="{FF2B5EF4-FFF2-40B4-BE49-F238E27FC236}">
-                <a16:creationId xmlns:a16="http://schemas.microsoft.com/office/drawing/2014/main" id="{DEF67C18-0CFD-40A7-B440-35DB0421BE30}"/>
-              </a:ext>
-            </a:extLst>
-          </p:cNvPr>
-          <p:cNvSpPr/>
-          <p:nvPr/>
-        </p:nvSpPr>
-        <p:spPr>
-          <a:xfrm>
-            <a:off x="5010753" y="5649253"/>
-            <a:ext cx="2390658" cy="731014"/>
-          </a:xfrm>
-          <a:prstGeom prst="ellipse">
-            <a:avLst/>
-          </a:prstGeom>
-        </p:spPr>
-        <p:style>
-          <a:lnRef idx="2">
-            <a:schemeClr val="accent1">
-              <a:shade val="50000"/>
-            </a:schemeClr>
-          </a:lnRef>
-          <a:fillRef idx="1">
-            <a:schemeClr val="accent1"/>
-          </a:fillRef>
-          <a:effectRef idx="0">
-            <a:schemeClr val="accent1"/>
-          </a:effectRef>
-          <a:fontRef idx="minor">
-            <a:schemeClr val="lt1"/>
-          </a:fontRef>
-        </p:style>
-        <p:txBody>
-          <a:bodyPr rtlCol="0" anchor="ctr"/>
-          <a:lstStyle/>
-          <a:p>
-            <a:pPr algn="ctr"/>
-            <a:r>
-              <a:rPr lang="en-US" dirty="0"/>
-              <a:t>Patient</a:t>
-            </a:r>
-          </a:p>
-        </p:txBody>
-      </p:sp>
-      <p:sp>
-        <p:nvSpPr>
-          <p:cNvPr id="47" name="Oval 46">
-            <a:extLst>
-              <a:ext uri="{FF2B5EF4-FFF2-40B4-BE49-F238E27FC236}">
-                <a16:creationId xmlns:a16="http://schemas.microsoft.com/office/drawing/2014/main" id="{15D13135-6739-41BA-9B77-80F051D0E492}"/>
-              </a:ext>
-            </a:extLst>
-          </p:cNvPr>
-          <p:cNvSpPr/>
-          <p:nvPr/>
-        </p:nvSpPr>
-        <p:spPr>
-          <a:xfrm>
-            <a:off x="2755037" y="4063190"/>
-            <a:ext cx="2943641" cy="938999"/>
-          </a:xfrm>
-          <a:prstGeom prst="ellipse">
-            <a:avLst/>
-          </a:prstGeom>
-        </p:spPr>
-        <p:style>
-          <a:lnRef idx="2">
-            <a:schemeClr val="accent1">
-              <a:shade val="50000"/>
-            </a:schemeClr>
-          </a:lnRef>
-          <a:fillRef idx="1">
-            <a:schemeClr val="accent1"/>
-          </a:fillRef>
-          <a:effectRef idx="0">
-            <a:schemeClr val="accent1"/>
-          </a:effectRef>
-          <a:fontRef idx="minor">
-            <a:schemeClr val="lt1"/>
-          </a:fontRef>
-        </p:style>
-        <p:txBody>
-          <a:bodyPr rtlCol="0" anchor="ctr"/>
-          <a:lstStyle/>
-          <a:p>
-            <a:pPr algn="ctr"/>
-            <a:r>
-              <a:rPr lang="en-US" dirty="0"/>
-              <a:t>Retail Pharmacies</a:t>
-            </a:r>
-          </a:p>
-        </p:txBody>
-      </p:sp>
+        </p:grpSpPr>
+        <p:sp>
+          <p:nvSpPr>
+            <p:cNvPr id="4" name="Oval 3">
+              <a:extLst>
+                <a:ext uri="{FF2B5EF4-FFF2-40B4-BE49-F238E27FC236}">
+                  <a16:creationId xmlns:a16="http://schemas.microsoft.com/office/drawing/2014/main" id="{7FF7DDF8-C1D2-4B79-9ED6-C2453805FB39}"/>
+                </a:ext>
+              </a:extLst>
+            </p:cNvPr>
+            <p:cNvSpPr/>
+            <p:nvPr/>
+          </p:nvSpPr>
+          <p:spPr>
+            <a:xfrm>
+              <a:off x="4686623" y="1063285"/>
+              <a:ext cx="2818753" cy="1173887"/>
+            </a:xfrm>
+            <a:prstGeom prst="ellipse">
+              <a:avLst/>
+            </a:prstGeom>
+          </p:spPr>
+          <p:style>
+            <a:lnRef idx="2">
+              <a:schemeClr val="accent1">
+                <a:shade val="50000"/>
+              </a:schemeClr>
+            </a:lnRef>
+            <a:fillRef idx="1">
+              <a:schemeClr val="accent1"/>
+            </a:fillRef>
+            <a:effectRef idx="0">
+              <a:schemeClr val="accent1"/>
+            </a:effectRef>
+            <a:fontRef idx="minor">
+              <a:schemeClr val="lt1"/>
+            </a:fontRef>
+          </p:style>
+          <p:txBody>
+            <a:bodyPr rtlCol="0" anchor="ctr"/>
+            <a:lstStyle/>
+            <a:p>
+              <a:pPr algn="ctr"/>
+              <a:r>
+                <a:rPr lang="en-US" dirty="0"/>
+                <a:t>Pharmaceutical Manufacturer</a:t>
+              </a:r>
+            </a:p>
+          </p:txBody>
+        </p:sp>
+        <p:sp>
+          <p:nvSpPr>
+            <p:cNvPr id="5" name="Oval 4">
+              <a:extLst>
+                <a:ext uri="{FF2B5EF4-FFF2-40B4-BE49-F238E27FC236}">
+                  <a16:creationId xmlns:a16="http://schemas.microsoft.com/office/drawing/2014/main" id="{CC671936-B4D3-4076-85AA-6589AC318879}"/>
+                </a:ext>
+              </a:extLst>
+            </p:cNvPr>
+            <p:cNvSpPr/>
+            <p:nvPr/>
+          </p:nvSpPr>
+          <p:spPr>
+            <a:xfrm>
+              <a:off x="4790589" y="2734322"/>
+              <a:ext cx="2610822" cy="1065321"/>
+            </a:xfrm>
+            <a:prstGeom prst="ellipse">
+              <a:avLst/>
+            </a:prstGeom>
+          </p:spPr>
+          <p:style>
+            <a:lnRef idx="2">
+              <a:schemeClr val="accent1">
+                <a:shade val="50000"/>
+              </a:schemeClr>
+            </a:lnRef>
+            <a:fillRef idx="1">
+              <a:schemeClr val="accent1"/>
+            </a:fillRef>
+            <a:effectRef idx="0">
+              <a:schemeClr val="accent1"/>
+            </a:effectRef>
+            <a:fontRef idx="minor">
+              <a:schemeClr val="lt1"/>
+            </a:fontRef>
+          </p:style>
+          <p:txBody>
+            <a:bodyPr rtlCol="0" anchor="ctr"/>
+            <a:lstStyle/>
+            <a:p>
+              <a:pPr algn="ctr"/>
+              <a:r>
+                <a:rPr lang="en-US" dirty="0"/>
+                <a:t>Drug Wholesaler</a:t>
+              </a:r>
+            </a:p>
+          </p:txBody>
+        </p:sp>
+        <p:sp>
+          <p:nvSpPr>
+            <p:cNvPr id="7" name="Oval 6">
+              <a:extLst>
+                <a:ext uri="{FF2B5EF4-FFF2-40B4-BE49-F238E27FC236}">
+                  <a16:creationId xmlns:a16="http://schemas.microsoft.com/office/drawing/2014/main" id="{EE1D66EC-8080-4F6D-8F7F-1B44DF80E328}"/>
+                </a:ext>
+              </a:extLst>
+            </p:cNvPr>
+            <p:cNvSpPr/>
+            <p:nvPr/>
+          </p:nvSpPr>
+          <p:spPr>
+            <a:xfrm>
+              <a:off x="6493322" y="4060145"/>
+              <a:ext cx="2943641" cy="938999"/>
+            </a:xfrm>
+            <a:prstGeom prst="ellipse">
+              <a:avLst/>
+            </a:prstGeom>
+          </p:spPr>
+          <p:style>
+            <a:lnRef idx="2">
+              <a:schemeClr val="accent1">
+                <a:shade val="50000"/>
+              </a:schemeClr>
+            </a:lnRef>
+            <a:fillRef idx="1">
+              <a:schemeClr val="accent1"/>
+            </a:fillRef>
+            <a:effectRef idx="0">
+              <a:schemeClr val="accent1"/>
+            </a:effectRef>
+            <a:fontRef idx="minor">
+              <a:schemeClr val="lt1"/>
+            </a:fontRef>
+          </p:style>
+          <p:txBody>
+            <a:bodyPr rtlCol="0" anchor="ctr"/>
+            <a:lstStyle/>
+            <a:p>
+              <a:pPr algn="ctr"/>
+              <a:r>
+                <a:rPr lang="en-US" dirty="0"/>
+                <a:t>Non-retail Pharmacies</a:t>
+              </a:r>
+            </a:p>
+          </p:txBody>
+        </p:sp>
+        <p:cxnSp>
+          <p:nvCxnSpPr>
+            <p:cNvPr id="9" name="Straight Connector 8">
+              <a:extLst>
+                <a:ext uri="{FF2B5EF4-FFF2-40B4-BE49-F238E27FC236}">
+                  <a16:creationId xmlns:a16="http://schemas.microsoft.com/office/drawing/2014/main" id="{5A73A769-9082-4802-9931-133A8BC6A56F}"/>
+                </a:ext>
+              </a:extLst>
+            </p:cNvPr>
+            <p:cNvCxnSpPr>
+              <a:stCxn id="4" idx="2"/>
+            </p:cNvCxnSpPr>
+            <p:nvPr/>
+          </p:nvCxnSpPr>
+          <p:spPr>
+            <a:xfrm flipH="1" flipV="1">
+              <a:off x="3968318" y="1650228"/>
+              <a:ext cx="718305" cy="1"/>
+            </a:xfrm>
+            <a:prstGeom prst="line">
+              <a:avLst/>
+            </a:prstGeom>
+          </p:spPr>
+          <p:style>
+            <a:lnRef idx="1">
+              <a:schemeClr val="accent1"/>
+            </a:lnRef>
+            <a:fillRef idx="0">
+              <a:schemeClr val="accent1"/>
+            </a:fillRef>
+            <a:effectRef idx="0">
+              <a:schemeClr val="accent1"/>
+            </a:effectRef>
+            <a:fontRef idx="minor">
+              <a:schemeClr val="tx1"/>
+            </a:fontRef>
+          </p:style>
+        </p:cxnSp>
+        <p:cxnSp>
+          <p:nvCxnSpPr>
+            <p:cNvPr id="11" name="Straight Arrow Connector 10">
+              <a:extLst>
+                <a:ext uri="{FF2B5EF4-FFF2-40B4-BE49-F238E27FC236}">
+                  <a16:creationId xmlns:a16="http://schemas.microsoft.com/office/drawing/2014/main" id="{DB5EE0EF-C7EB-4D55-B10F-F7171383416D}"/>
+                </a:ext>
+              </a:extLst>
+            </p:cNvPr>
+            <p:cNvCxnSpPr>
+              <a:cxnSpLocks/>
+            </p:cNvCxnSpPr>
+            <p:nvPr/>
+          </p:nvCxnSpPr>
+          <p:spPr>
+            <a:xfrm>
+              <a:off x="3977196" y="1650228"/>
+              <a:ext cx="0" cy="2409917"/>
+            </a:xfrm>
+            <a:prstGeom prst="straightConnector1">
+              <a:avLst/>
+            </a:prstGeom>
+            <a:ln>
+              <a:tailEnd type="triangle"/>
+            </a:ln>
+          </p:spPr>
+          <p:style>
+            <a:lnRef idx="1">
+              <a:schemeClr val="accent1"/>
+            </a:lnRef>
+            <a:fillRef idx="0">
+              <a:schemeClr val="accent1"/>
+            </a:fillRef>
+            <a:effectRef idx="0">
+              <a:schemeClr val="accent1"/>
+            </a:effectRef>
+            <a:fontRef idx="minor">
+              <a:schemeClr val="tx1"/>
+            </a:fontRef>
+          </p:style>
+        </p:cxnSp>
+        <p:cxnSp>
+          <p:nvCxnSpPr>
+            <p:cNvPr id="14" name="Straight Connector 13">
+              <a:extLst>
+                <a:ext uri="{FF2B5EF4-FFF2-40B4-BE49-F238E27FC236}">
+                  <a16:creationId xmlns:a16="http://schemas.microsoft.com/office/drawing/2014/main" id="{7194AC15-4682-420B-A657-3E17FFFE114C}"/>
+                </a:ext>
+              </a:extLst>
+            </p:cNvPr>
+            <p:cNvCxnSpPr>
+              <a:cxnSpLocks/>
+              <a:stCxn id="5" idx="2"/>
+            </p:cNvCxnSpPr>
+            <p:nvPr/>
+          </p:nvCxnSpPr>
+          <p:spPr>
+            <a:xfrm flipH="1">
+              <a:off x="4327470" y="3266983"/>
+              <a:ext cx="463119" cy="0"/>
+            </a:xfrm>
+            <a:prstGeom prst="line">
+              <a:avLst/>
+            </a:prstGeom>
+          </p:spPr>
+          <p:style>
+            <a:lnRef idx="1">
+              <a:schemeClr val="accent1"/>
+            </a:lnRef>
+            <a:fillRef idx="0">
+              <a:schemeClr val="accent1"/>
+            </a:fillRef>
+            <a:effectRef idx="0">
+              <a:schemeClr val="accent1"/>
+            </a:effectRef>
+            <a:fontRef idx="minor">
+              <a:schemeClr val="tx1"/>
+            </a:fontRef>
+          </p:style>
+        </p:cxnSp>
+        <p:cxnSp>
+          <p:nvCxnSpPr>
+            <p:cNvPr id="17" name="Straight Arrow Connector 16">
+              <a:extLst>
+                <a:ext uri="{FF2B5EF4-FFF2-40B4-BE49-F238E27FC236}">
+                  <a16:creationId xmlns:a16="http://schemas.microsoft.com/office/drawing/2014/main" id="{E5C097C7-DEDE-4CD7-8317-45F3803F09A9}"/>
+                </a:ext>
+              </a:extLst>
+            </p:cNvPr>
+            <p:cNvCxnSpPr/>
+            <p:nvPr/>
+          </p:nvCxnSpPr>
+          <p:spPr>
+            <a:xfrm>
+              <a:off x="4327470" y="3266982"/>
+              <a:ext cx="0" cy="793163"/>
+            </a:xfrm>
+            <a:prstGeom prst="straightConnector1">
+              <a:avLst/>
+            </a:prstGeom>
+            <a:ln>
+              <a:tailEnd type="triangle"/>
+            </a:ln>
+          </p:spPr>
+          <p:style>
+            <a:lnRef idx="1">
+              <a:schemeClr val="accent1"/>
+            </a:lnRef>
+            <a:fillRef idx="0">
+              <a:schemeClr val="accent1"/>
+            </a:fillRef>
+            <a:effectRef idx="0">
+              <a:schemeClr val="accent1"/>
+            </a:effectRef>
+            <a:fontRef idx="minor">
+              <a:schemeClr val="tx1"/>
+            </a:fontRef>
+          </p:style>
+        </p:cxnSp>
+        <p:cxnSp>
+          <p:nvCxnSpPr>
+            <p:cNvPr id="19" name="Straight Connector 18">
+              <a:extLst>
+                <a:ext uri="{FF2B5EF4-FFF2-40B4-BE49-F238E27FC236}">
+                  <a16:creationId xmlns:a16="http://schemas.microsoft.com/office/drawing/2014/main" id="{D920B7BC-7ADB-4FA6-B39D-91F6E29931D6}"/>
+                </a:ext>
+              </a:extLst>
+            </p:cNvPr>
+            <p:cNvCxnSpPr>
+              <a:cxnSpLocks/>
+              <a:stCxn id="5" idx="6"/>
+            </p:cNvCxnSpPr>
+            <p:nvPr/>
+          </p:nvCxnSpPr>
+          <p:spPr>
+            <a:xfrm flipV="1">
+              <a:off x="7401411" y="3266982"/>
+              <a:ext cx="563731" cy="1"/>
+            </a:xfrm>
+            <a:prstGeom prst="line">
+              <a:avLst/>
+            </a:prstGeom>
+          </p:spPr>
+          <p:style>
+            <a:lnRef idx="1">
+              <a:schemeClr val="accent1"/>
+            </a:lnRef>
+            <a:fillRef idx="0">
+              <a:schemeClr val="accent1"/>
+            </a:fillRef>
+            <a:effectRef idx="0">
+              <a:schemeClr val="accent1"/>
+            </a:effectRef>
+            <a:fontRef idx="minor">
+              <a:schemeClr val="tx1"/>
+            </a:fontRef>
+          </p:style>
+        </p:cxnSp>
+        <p:cxnSp>
+          <p:nvCxnSpPr>
+            <p:cNvPr id="21" name="Straight Arrow Connector 20">
+              <a:extLst>
+                <a:ext uri="{FF2B5EF4-FFF2-40B4-BE49-F238E27FC236}">
+                  <a16:creationId xmlns:a16="http://schemas.microsoft.com/office/drawing/2014/main" id="{D28DFA45-61F3-4D52-961F-6C7CCB1CE9A2}"/>
+                </a:ext>
+              </a:extLst>
+            </p:cNvPr>
+            <p:cNvCxnSpPr>
+              <a:cxnSpLocks/>
+              <a:endCxn id="7" idx="0"/>
+            </p:cNvCxnSpPr>
+            <p:nvPr/>
+          </p:nvCxnSpPr>
+          <p:spPr>
+            <a:xfrm>
+              <a:off x="7965142" y="3266982"/>
+              <a:ext cx="1" cy="793163"/>
+            </a:xfrm>
+            <a:prstGeom prst="straightConnector1">
+              <a:avLst/>
+            </a:prstGeom>
+            <a:ln>
+              <a:tailEnd type="triangle"/>
+            </a:ln>
+          </p:spPr>
+          <p:style>
+            <a:lnRef idx="1">
+              <a:schemeClr val="accent1"/>
+            </a:lnRef>
+            <a:fillRef idx="0">
+              <a:schemeClr val="accent1"/>
+            </a:fillRef>
+            <a:effectRef idx="0">
+              <a:schemeClr val="accent1"/>
+            </a:effectRef>
+            <a:fontRef idx="minor">
+              <a:schemeClr val="tx1"/>
+            </a:fontRef>
+          </p:style>
+        </p:cxnSp>
+        <p:sp>
+          <p:nvSpPr>
+            <p:cNvPr id="28" name="Right Brace 27">
+              <a:extLst>
+                <a:ext uri="{FF2B5EF4-FFF2-40B4-BE49-F238E27FC236}">
+                  <a16:creationId xmlns:a16="http://schemas.microsoft.com/office/drawing/2014/main" id="{62A997C8-A334-4D11-8099-39C39613FBC5}"/>
+                </a:ext>
+              </a:extLst>
+            </p:cNvPr>
+            <p:cNvSpPr/>
+            <p:nvPr/>
+          </p:nvSpPr>
+          <p:spPr>
+            <a:xfrm rot="5400000">
+              <a:off x="5637621" y="1666230"/>
+              <a:ext cx="916755" cy="6752159"/>
+            </a:xfrm>
+            <a:prstGeom prst="rightBrace">
+              <a:avLst>
+                <a:gd name="adj1" fmla="val 8333"/>
+                <a:gd name="adj2" fmla="val 49184"/>
+              </a:avLst>
+            </a:prstGeom>
+          </p:spPr>
+          <p:style>
+            <a:lnRef idx="1">
+              <a:schemeClr val="accent1"/>
+            </a:lnRef>
+            <a:fillRef idx="0">
+              <a:schemeClr val="accent1"/>
+            </a:fillRef>
+            <a:effectRef idx="0">
+              <a:schemeClr val="accent1"/>
+            </a:effectRef>
+            <a:fontRef idx="minor">
+              <a:schemeClr val="tx1"/>
+            </a:fontRef>
+          </p:style>
+          <p:txBody>
+            <a:bodyPr rtlCol="0" anchor="ctr"/>
+            <a:lstStyle/>
+            <a:p>
+              <a:pPr algn="ctr"/>
+              <a:endParaRPr lang="en-US"/>
+            </a:p>
+          </p:txBody>
+        </p:sp>
+        <p:sp>
+          <p:nvSpPr>
+            <p:cNvPr id="29" name="Oval 28">
+              <a:extLst>
+                <a:ext uri="{FF2B5EF4-FFF2-40B4-BE49-F238E27FC236}">
+                  <a16:creationId xmlns:a16="http://schemas.microsoft.com/office/drawing/2014/main" id="{DEF67C18-0CFD-40A7-B440-35DB0421BE30}"/>
+                </a:ext>
+              </a:extLst>
+            </p:cNvPr>
+            <p:cNvSpPr/>
+            <p:nvPr/>
+          </p:nvSpPr>
+          <p:spPr>
+            <a:xfrm>
+              <a:off x="5010753" y="5649253"/>
+              <a:ext cx="2390658" cy="731014"/>
+            </a:xfrm>
+            <a:prstGeom prst="ellipse">
+              <a:avLst/>
+            </a:prstGeom>
+          </p:spPr>
+          <p:style>
+            <a:lnRef idx="2">
+              <a:schemeClr val="accent1">
+                <a:shade val="50000"/>
+              </a:schemeClr>
+            </a:lnRef>
+            <a:fillRef idx="1">
+              <a:schemeClr val="accent1"/>
+            </a:fillRef>
+            <a:effectRef idx="0">
+              <a:schemeClr val="accent1"/>
+            </a:effectRef>
+            <a:fontRef idx="minor">
+              <a:schemeClr val="lt1"/>
+            </a:fontRef>
+          </p:style>
+          <p:txBody>
+            <a:bodyPr rtlCol="0" anchor="ctr"/>
+            <a:lstStyle/>
+            <a:p>
+              <a:pPr algn="ctr"/>
+              <a:r>
+                <a:rPr lang="en-US" dirty="0"/>
+                <a:t>Patient</a:t>
+              </a:r>
+            </a:p>
+          </p:txBody>
+        </p:sp>
+        <p:sp>
+          <p:nvSpPr>
+            <p:cNvPr id="47" name="Oval 46">
+              <a:extLst>
+                <a:ext uri="{FF2B5EF4-FFF2-40B4-BE49-F238E27FC236}">
+                  <a16:creationId xmlns:a16="http://schemas.microsoft.com/office/drawing/2014/main" id="{15D13135-6739-41BA-9B77-80F051D0E492}"/>
+                </a:ext>
+              </a:extLst>
+            </p:cNvPr>
+            <p:cNvSpPr/>
+            <p:nvPr/>
+          </p:nvSpPr>
+          <p:spPr>
+            <a:xfrm>
+              <a:off x="2755037" y="4063190"/>
+              <a:ext cx="2943641" cy="938999"/>
+            </a:xfrm>
+            <a:prstGeom prst="ellipse">
+              <a:avLst/>
+            </a:prstGeom>
+          </p:spPr>
+          <p:style>
+            <a:lnRef idx="2">
+              <a:schemeClr val="accent1">
+                <a:shade val="50000"/>
+              </a:schemeClr>
+            </a:lnRef>
+            <a:fillRef idx="1">
+              <a:schemeClr val="accent1"/>
+            </a:fillRef>
+            <a:effectRef idx="0">
+              <a:schemeClr val="accent1"/>
+            </a:effectRef>
+            <a:fontRef idx="minor">
+              <a:schemeClr val="lt1"/>
+            </a:fontRef>
+          </p:style>
+          <p:txBody>
+            <a:bodyPr rtlCol="0" anchor="ctr"/>
+            <a:lstStyle/>
+            <a:p>
+              <a:pPr algn="ctr"/>
+              <a:r>
+                <a:rPr lang="en-US" dirty="0"/>
+                <a:t>Retail Pharmacies</a:t>
+              </a:r>
+            </a:p>
+          </p:txBody>
+        </p:sp>
+      </p:grpSp>
     </p:spTree>
     <p:extLst>
       <p:ext uri="{BB962C8B-B14F-4D97-AF65-F5344CB8AC3E}">
